--- a/doc/agent-development.pptx
+++ b/doc/agent-development.pptx
@@ -139,6 +139,22 @@
       </a:defRPr>
     </a:lvl9pPr>
   </p:defaultTextStyle>
+  <p:extLst>
+    <p:ext uri="{EFAFB233-063F-42B5-8137-9DF3F51BA10A}">
+      <p15:sldGuideLst xmlns:p15="http://schemas.microsoft.com/office/powerpoint/2012/main">
+        <p15:guide id="1" orient="horz" pos="2160">
+          <p15:clr>
+            <a:srgbClr val="A4A3A4"/>
+          </p15:clr>
+        </p15:guide>
+        <p15:guide id="2" pos="2880">
+          <p15:clr>
+            <a:srgbClr val="A4A3A4"/>
+          </p15:clr>
+        </p15:guide>
+      </p15:sldGuideLst>
+    </p:ext>
+  </p:extLst>
 </p:presentation>
 </file>
 
@@ -324,7 +340,7 @@
             <a:fld id="{1D8BD707-D9CF-40AE-B4C6-C98DA3205C09}" type="datetimeFigureOut">
               <a:rPr lang="en-US" smtClean="0"/>
               <a:pPr/>
-              <a:t>10/24/2016</a:t>
+              <a:t>6/8/2017</a:t>
             </a:fld>
             <a:endParaRPr lang="en-US"/>
           </a:p>
@@ -491,7 +507,7 @@
             <a:fld id="{1D8BD707-D9CF-40AE-B4C6-C98DA3205C09}" type="datetimeFigureOut">
               <a:rPr lang="en-US" smtClean="0"/>
               <a:pPr/>
-              <a:t>10/24/2016</a:t>
+              <a:t>6/8/2017</a:t>
             </a:fld>
             <a:endParaRPr lang="en-US"/>
           </a:p>
@@ -668,7 +684,7 @@
             <a:fld id="{1D8BD707-D9CF-40AE-B4C6-C98DA3205C09}" type="datetimeFigureOut">
               <a:rPr lang="en-US" smtClean="0"/>
               <a:pPr/>
-              <a:t>10/24/2016</a:t>
+              <a:t>6/8/2017</a:t>
             </a:fld>
             <a:endParaRPr lang="en-US"/>
           </a:p>
@@ -1076,7 +1092,7 @@
             <a:fld id="{1D8BD707-D9CF-40AE-B4C6-C98DA3205C09}" type="datetimeFigureOut">
               <a:rPr lang="en-US" smtClean="0"/>
               <a:pPr/>
-              <a:t>10/24/2016</a:t>
+              <a:t>6/8/2017</a:t>
             </a:fld>
             <a:endParaRPr lang="en-US"/>
           </a:p>
@@ -1361,7 +1377,7 @@
             <a:fld id="{1D8BD707-D9CF-40AE-B4C6-C98DA3205C09}" type="datetimeFigureOut">
               <a:rPr lang="en-US" smtClean="0"/>
               <a:pPr/>
-              <a:t>10/24/2016</a:t>
+              <a:t>6/8/2017</a:t>
             </a:fld>
             <a:endParaRPr lang="en-US"/>
           </a:p>
@@ -1780,7 +1796,7 @@
             <a:fld id="{1D8BD707-D9CF-40AE-B4C6-C98DA3205C09}" type="datetimeFigureOut">
               <a:rPr lang="en-US" smtClean="0"/>
               <a:pPr/>
-              <a:t>10/24/2016</a:t>
+              <a:t>6/8/2017</a:t>
             </a:fld>
             <a:endParaRPr lang="en-US"/>
           </a:p>
@@ -1895,7 +1911,7 @@
             <a:fld id="{1D8BD707-D9CF-40AE-B4C6-C98DA3205C09}" type="datetimeFigureOut">
               <a:rPr lang="en-US" smtClean="0"/>
               <a:pPr/>
-              <a:t>10/24/2016</a:t>
+              <a:t>6/8/2017</a:t>
             </a:fld>
             <a:endParaRPr lang="en-US"/>
           </a:p>
@@ -1987,7 +2003,7 @@
             <a:fld id="{1D8BD707-D9CF-40AE-B4C6-C98DA3205C09}" type="datetimeFigureOut">
               <a:rPr lang="en-US" smtClean="0"/>
               <a:pPr/>
-              <a:t>10/24/2016</a:t>
+              <a:t>6/8/2017</a:t>
             </a:fld>
             <a:endParaRPr lang="en-US"/>
           </a:p>
@@ -2261,7 +2277,7 @@
             <a:fld id="{1D8BD707-D9CF-40AE-B4C6-C98DA3205C09}" type="datetimeFigureOut">
               <a:rPr lang="en-US" smtClean="0"/>
               <a:pPr/>
-              <a:t>10/24/2016</a:t>
+              <a:t>6/8/2017</a:t>
             </a:fld>
             <a:endParaRPr lang="en-US"/>
           </a:p>
@@ -2511,7 +2527,7 @@
             <a:fld id="{1D8BD707-D9CF-40AE-B4C6-C98DA3205C09}" type="datetimeFigureOut">
               <a:rPr lang="en-US" smtClean="0"/>
               <a:pPr/>
-              <a:t>10/24/2016</a:t>
+              <a:t>6/8/2017</a:t>
             </a:fld>
             <a:endParaRPr lang="en-US"/>
           </a:p>
@@ -2721,7 +2737,7 @@
             <a:fld id="{1D8BD707-D9CF-40AE-B4C6-C98DA3205C09}" type="datetimeFigureOut">
               <a:rPr lang="en-US" smtClean="0"/>
               <a:pPr/>
-              <a:t>10/24/2016</a:t>
+              <a:t>6/8/2017</a:t>
             </a:fld>
             <a:endParaRPr lang="en-US"/>
           </a:p>
@@ -3547,11 +3563,7 @@
             <a:pPr algn="ctr"/>
             <a:r>
               <a:rPr lang="en-US" sz="1600" dirty="0" smtClean="0"/>
-              <a:t>from </a:t>
-            </a:r>
-            <a:r>
-              <a:rPr lang="en-US" sz="1600" dirty="0" smtClean="0"/>
-              <a:t>Player.hpp</a:t>
+              <a:t>from Player.hpp</a:t>
             </a:r>
             <a:endParaRPr lang="en-US" sz="1600" dirty="0"/>
           </a:p>
@@ -3736,11 +3748,7 @@
             <a:pPr algn="ctr"/>
             <a:r>
               <a:rPr lang="en-US" sz="1600" dirty="0" smtClean="0"/>
-              <a:t>from </a:t>
-            </a:r>
-            <a:r>
-              <a:rPr lang="en-US" sz="1600" dirty="0" smtClean="0"/>
-              <a:t>Player.hpp</a:t>
+              <a:t>from Player.hpp</a:t>
             </a:r>
             <a:endParaRPr lang="en-US" sz="1600" dirty="0"/>
           </a:p>
@@ -5457,10 +5465,14 @@
           <a:p>
             <a:pPr algn="ctr"/>
             <a:r>
-              <a:rPr lang="en-US" sz="1600" smtClean="0"/>
-              <a:t>from Player.h</a:t>
-            </a:r>
-            <a:endParaRPr lang="en-US" sz="1600"/>
+              <a:rPr lang="en-US" sz="1600" dirty="0" smtClean="0"/>
+              <a:t>from </a:t>
+            </a:r>
+            <a:r>
+              <a:rPr lang="en-US" sz="1600" dirty="0" smtClean="0"/>
+              <a:t>Player.hpp</a:t>
+            </a:r>
+            <a:endParaRPr lang="en-US" sz="1600" dirty="0"/>
           </a:p>
         </p:txBody>
       </p:sp>
@@ -5674,11 +5686,7 @@
             <a:pPr algn="ctr"/>
             <a:r>
               <a:rPr lang="en-US" sz="1600" dirty="0" smtClean="0"/>
-              <a:t>from </a:t>
-            </a:r>
-            <a:r>
-              <a:rPr lang="en-US" sz="1600" dirty="0" smtClean="0"/>
-              <a:t>Player.hpp</a:t>
+              <a:t>from Player.hpp</a:t>
             </a:r>
             <a:endParaRPr lang="en-US" sz="1600" dirty="0"/>
           </a:p>
@@ -6625,11 +6633,7 @@
             <a:pPr algn="ctr"/>
             <a:r>
               <a:rPr lang="en-US" sz="1600" dirty="0" smtClean="0"/>
-              <a:t>from </a:t>
-            </a:r>
-            <a:r>
-              <a:rPr lang="en-US" sz="1600" dirty="0" smtClean="0"/>
-              <a:t>Player.hpp</a:t>
+              <a:t>from Player.hpp</a:t>
             </a:r>
             <a:endParaRPr lang="en-US" sz="1600" dirty="0"/>
           </a:p>
@@ -8574,88 +8578,50 @@
       </p:sp>
       <p:pic>
         <p:nvPicPr>
-          <p:cNvPr id="1026" name="Picture 2"/>
+          <p:cNvPr id="4" name="Picture 3"/>
           <p:cNvPicPr>
-            <a:picLocks noChangeAspect="1" noChangeArrowheads="1"/>
+            <a:picLocks noChangeAspect="1"/>
           </p:cNvPicPr>
           <p:nvPr/>
         </p:nvPicPr>
         <p:blipFill>
-          <a:blip r:embed="rId2" cstate="print"/>
-          <a:srcRect/>
+          <a:blip r:embed="rId2"/>
           <a:stretch>
             <a:fillRect/>
           </a:stretch>
         </p:blipFill>
-        <p:spPr bwMode="auto">
-          <a:xfrm>
-            <a:off x="2209800" y="2514600"/>
-            <a:ext cx="6191250" cy="3714750"/>
+        <p:spPr>
+          <a:xfrm>
+            <a:off x="1981200" y="2362200"/>
+            <a:ext cx="6924675" cy="4352925"/>
           </a:xfrm>
           <a:prstGeom prst="rect">
             <a:avLst/>
           </a:prstGeom>
-          <a:noFill/>
-          <a:ln w="9525">
-            <a:noFill/>
-            <a:miter lim="800000"/>
-            <a:headEnd/>
-            <a:tailEnd/>
-          </a:ln>
         </p:spPr>
       </p:pic>
       <p:pic>
         <p:nvPicPr>
-          <p:cNvPr id="5122" name="Picture 2"/>
+          <p:cNvPr id="5" name="Picture 4"/>
           <p:cNvPicPr>
-            <a:picLocks noChangeAspect="1" noChangeArrowheads="1"/>
+            <a:picLocks noChangeAspect="1"/>
           </p:cNvPicPr>
           <p:nvPr/>
         </p:nvPicPr>
         <p:blipFill>
-          <a:blip r:embed="rId3">
-            <a:extLst>
-              <a:ext uri="{28A0092B-C50C-407E-A947-70E740481C1C}">
-                <a14:useLocalDpi xmlns:a14="http://schemas.microsoft.com/office/drawing/2010/main" val="0"/>
-              </a:ext>
-            </a:extLst>
-          </a:blip>
-          <a:srcRect/>
+          <a:blip r:embed="rId3"/>
           <a:stretch>
             <a:fillRect/>
           </a:stretch>
         </p:blipFill>
-        <p:spPr bwMode="auto">
-          <a:xfrm>
-            <a:off x="552630" y="2438400"/>
-            <a:ext cx="1238250" cy="2505075"/>
+        <p:spPr>
+          <a:xfrm>
+            <a:off x="257175" y="2362200"/>
+            <a:ext cx="1504950" cy="2466975"/>
           </a:xfrm>
           <a:prstGeom prst="rect">
             <a:avLst/>
           </a:prstGeom>
-          <a:noFill/>
-          <a:ln>
-            <a:noFill/>
-          </a:ln>
-          <a:extLst>
-            <a:ext uri="{909E8E84-426E-40DD-AFC4-6F175D3DCCD1}">
-              <a14:hiddenFill xmlns:a14="http://schemas.microsoft.com/office/drawing/2010/main">
-                <a:solidFill>
-                  <a:schemeClr val="accent1"/>
-                </a:solidFill>
-              </a14:hiddenFill>
-            </a:ext>
-            <a:ext uri="{91240B29-F687-4F45-9708-019B960494DF}">
-              <a14:hiddenLine xmlns:a14="http://schemas.microsoft.com/office/drawing/2010/main" w="9525">
-                <a:solidFill>
-                  <a:schemeClr val="tx1"/>
-                </a:solidFill>
-                <a:miter lim="800000"/>
-                <a:headEnd/>
-                <a:tailEnd/>
-              </a14:hiddenLine>
-            </a:ext>
-          </a:extLst>
         </p:spPr>
       </p:pic>
     </p:spTree>
@@ -9445,11 +9411,7 @@
             <a:pPr algn="ctr"/>
             <a:r>
               <a:rPr lang="en-US" sz="1600" dirty="0" smtClean="0"/>
-              <a:t>from </a:t>
-            </a:r>
-            <a:r>
-              <a:rPr lang="en-US" sz="1600" dirty="0" smtClean="0"/>
-              <a:t>Player.hpp</a:t>
+              <a:t>from Player.hpp</a:t>
             </a:r>
             <a:endParaRPr lang="en-US" sz="1600" dirty="0"/>
           </a:p>
